--- a/Park_Yihang/20231206_Final_YHP.pptx
+++ b/Park_Yihang/20231206_Final_YHP.pptx
@@ -4884,6 +4884,42 @@
           </a:p>
         </p:txBody>
       </p:sp>
+      <p:sp>
+        <p:nvSpPr>
+          <p:cNvPr id="2" name="TextBox 1">
+            <a:extLst>
+              <a:ext uri="{FF2B5EF4-FFF2-40B4-BE49-F238E27FC236}">
+                <a16:creationId xmlns:a16="http://schemas.microsoft.com/office/drawing/2014/main" id="{0105CBB1-4580-8284-8E96-EF723DBE5CF7}"/>
+              </a:ext>
+            </a:extLst>
+          </p:cNvPr>
+          <p:cNvSpPr txBox="1"/>
+          <p:nvPr/>
+        </p:nvSpPr>
+        <p:spPr>
+          <a:xfrm>
+            <a:off x="2937923" y="5896601"/>
+            <a:ext cx="5838393" cy="523220"/>
+          </a:xfrm>
+          <a:prstGeom prst="rect">
+            <a:avLst/>
+          </a:prstGeom>
+          <a:noFill/>
+        </p:spPr>
+        <p:txBody>
+          <a:bodyPr wrap="none" rtlCol="0">
+            <a:spAutoFit/>
+          </a:bodyPr>
+          <a:lstStyle/>
+          <a:p>
+            <a:r>
+              <a:rPr lang="en-US" altLang="ko-KR" sz="2800" b="1"/>
+              <a:t>Corresponds with Aaron’s results</a:t>
+            </a:r>
+            <a:endParaRPr lang="ko-KR" altLang="en-US" sz="2800" b="1"/>
+          </a:p>
+        </p:txBody>
+      </p:sp>
     </p:spTree>
     <p:extLst>
       <p:ext uri="{BB962C8B-B14F-4D97-AF65-F5344CB8AC3E}">
@@ -4974,6 +5010,51 @@
                       </p:childTnLst>
                     </p:cTn>
                   </p:par>
+                  <p:par>
+                    <p:cTn id="9" fill="hold">
+                      <p:stCondLst>
+                        <p:cond delay="indefinite"/>
+                      </p:stCondLst>
+                      <p:childTnLst>
+                        <p:par>
+                          <p:cTn id="10" fill="hold">
+                            <p:stCondLst>
+                              <p:cond delay="0"/>
+                            </p:stCondLst>
+                            <p:childTnLst>
+                              <p:par>
+                                <p:cTn id="11" presetID="1" presetClass="entr" presetSubtype="0" fill="hold" grpId="0" nodeType="clickEffect">
+                                  <p:stCondLst>
+                                    <p:cond delay="0"/>
+                                  </p:stCondLst>
+                                  <p:childTnLst>
+                                    <p:set>
+                                      <p:cBhvr>
+                                        <p:cTn id="12" dur="1" fill="hold">
+                                          <p:stCondLst>
+                                            <p:cond delay="0"/>
+                                          </p:stCondLst>
+                                        </p:cTn>
+                                        <p:tgtEl>
+                                          <p:spTgt spid="2"/>
+                                        </p:tgtEl>
+                                        <p:attrNameLst>
+                                          <p:attrName>style.visibility</p:attrName>
+                                        </p:attrNameLst>
+                                      </p:cBhvr>
+                                      <p:to>
+                                        <p:strVal val="visible"/>
+                                      </p:to>
+                                    </p:set>
+                                  </p:childTnLst>
+                                </p:cTn>
+                              </p:par>
+                            </p:childTnLst>
+                          </p:cTn>
+                        </p:par>
+                      </p:childTnLst>
+                    </p:cTn>
+                  </p:par>
                 </p:childTnLst>
               </p:cTn>
               <p:prevCondLst>
@@ -4997,6 +5078,7 @@
     </p:tnLst>
     <p:bldLst>
       <p:bldP spid="10" grpId="0"/>
+      <p:bldP spid="2" grpId="0"/>
     </p:bldLst>
   </p:timing>
 </p:sld>

--- a/Park_Yihang/20231206_Final_YHP.pptx
+++ b/Park_Yihang/20231206_Final_YHP.pptx
@@ -4899,7 +4899,7 @@
         <p:spPr>
           <a:xfrm>
             <a:off x="2937923" y="5896601"/>
-            <a:ext cx="5838393" cy="523220"/>
+            <a:ext cx="5458482" cy="523220"/>
           </a:xfrm>
           <a:prstGeom prst="rect">
             <a:avLst/>
@@ -4914,7 +4914,7 @@
           <a:p>
             <a:r>
               <a:rPr lang="en-US" altLang="ko-KR" sz="2800" b="1"/>
-              <a:t>Corresponds with Aaron’s results</a:t>
+              <a:t>Corresponds to Aaron’s results</a:t>
             </a:r>
             <a:endParaRPr lang="ko-KR" altLang="en-US" sz="2800" b="1"/>
           </a:p>

--- a/Park_Yihang/20231206_Final_YHP.pptx
+++ b/Park_Yihang/20231206_Final_YHP.pptx
@@ -4047,7 +4047,7 @@
         </p:blipFill>
         <p:spPr>
           <a:xfrm>
-            <a:off x="625083" y="1813328"/>
+            <a:off x="1309129" y="1846260"/>
             <a:ext cx="9277870" cy="3660077"/>
           </a:xfrm>
           <a:prstGeom prst="rect">
@@ -4123,7 +4123,7 @@
         </p:nvSpPr>
         <p:spPr>
           <a:xfrm>
-            <a:off x="273999" y="525255"/>
+            <a:off x="769655" y="525255"/>
             <a:ext cx="10836300" cy="923330"/>
           </a:xfrm>
           <a:prstGeom prst="rect">
@@ -4171,7 +4171,7 @@
         </p:nvSpPr>
         <p:spPr>
           <a:xfrm>
-            <a:off x="1309129" y="1351663"/>
+            <a:off x="2057854" y="1384595"/>
             <a:ext cx="7744941" cy="461665"/>
           </a:xfrm>
           <a:prstGeom prst="rect">
@@ -4207,7 +4207,7 @@
         </p:nvSpPr>
         <p:spPr>
           <a:xfrm>
-            <a:off x="625083" y="5597584"/>
+            <a:off x="1209502" y="5597583"/>
             <a:ext cx="9772996" cy="1015663"/>
           </a:xfrm>
           <a:prstGeom prst="rect">
@@ -4792,8 +4792,8 @@
         </p:blipFill>
         <p:spPr>
           <a:xfrm>
-            <a:off x="1770059" y="2196853"/>
-            <a:ext cx="8651882" cy="3306873"/>
+            <a:off x="949750" y="2222490"/>
+            <a:ext cx="10104580" cy="3862115"/>
           </a:xfrm>
           <a:prstGeom prst="rect">
             <a:avLst/>
@@ -4898,7 +4898,7 @@
         </p:nvSpPr>
         <p:spPr>
           <a:xfrm>
-            <a:off x="2937923" y="5896601"/>
+            <a:off x="2937923" y="6084605"/>
             <a:ext cx="5458482" cy="523220"/>
           </a:xfrm>
           <a:prstGeom prst="rect">
